--- a/doc/抗审查的Web3入口.pptx
+++ b/doc/抗审查的Web3入口.pptx
@@ -222,7 +222,7 @@
             <a:fld id="{933786D2-95F4-4B62-955E-3C50BEFF676C}" type="datetimeFigureOut">
               <a:rPr lang="zh-CN" altLang="en-US" smtClean="0"/>
               <a:pPr/>
-              <a:t>2021/12/16</a:t>
+              <a:t>2021/12/17</a:t>
             </a:fld>
             <a:endParaRPr lang="zh-CN" altLang="en-US" dirty="0"/>
           </a:p>
@@ -2262,7 +2262,7 @@
           <a:p>
             <a:fld id="{A2828013-9556-401A-ADD7-1F11A1DA08DC}" type="datetimeFigureOut">
               <a:rPr lang="zh-CN" altLang="en-US" smtClean="0"/>
-              <a:t>2021/12/16</a:t>
+              <a:t>2021/12/17</a:t>
             </a:fld>
             <a:endParaRPr lang="zh-CN" altLang="en-US"/>
           </a:p>
@@ -2460,7 +2460,7 @@
           <a:p>
             <a:fld id="{A2828013-9556-401A-ADD7-1F11A1DA08DC}" type="datetimeFigureOut">
               <a:rPr lang="zh-CN" altLang="en-US" smtClean="0"/>
-              <a:t>2021/12/16</a:t>
+              <a:t>2021/12/17</a:t>
             </a:fld>
             <a:endParaRPr lang="zh-CN" altLang="en-US"/>
           </a:p>
@@ -2668,7 +2668,7 @@
           <a:p>
             <a:fld id="{A2828013-9556-401A-ADD7-1F11A1DA08DC}" type="datetimeFigureOut">
               <a:rPr lang="zh-CN" altLang="en-US" smtClean="0"/>
-              <a:t>2021/12/16</a:t>
+              <a:t>2021/12/17</a:t>
             </a:fld>
             <a:endParaRPr lang="zh-CN" altLang="en-US"/>
           </a:p>
@@ -2866,7 +2866,7 @@
           <a:p>
             <a:fld id="{A2828013-9556-401A-ADD7-1F11A1DA08DC}" type="datetimeFigureOut">
               <a:rPr lang="zh-CN" altLang="en-US" smtClean="0"/>
-              <a:t>2021/12/16</a:t>
+              <a:t>2021/12/17</a:t>
             </a:fld>
             <a:endParaRPr lang="zh-CN" altLang="en-US"/>
           </a:p>
@@ -3141,7 +3141,7 @@
           <a:p>
             <a:fld id="{A2828013-9556-401A-ADD7-1F11A1DA08DC}" type="datetimeFigureOut">
               <a:rPr lang="zh-CN" altLang="en-US" smtClean="0"/>
-              <a:t>2021/12/16</a:t>
+              <a:t>2021/12/17</a:t>
             </a:fld>
             <a:endParaRPr lang="zh-CN" altLang="en-US"/>
           </a:p>
@@ -3406,7 +3406,7 @@
           <a:p>
             <a:fld id="{A2828013-9556-401A-ADD7-1F11A1DA08DC}" type="datetimeFigureOut">
               <a:rPr lang="zh-CN" altLang="en-US" smtClean="0"/>
-              <a:t>2021/12/16</a:t>
+              <a:t>2021/12/17</a:t>
             </a:fld>
             <a:endParaRPr lang="zh-CN" altLang="en-US"/>
           </a:p>
@@ -3818,7 +3818,7 @@
           <a:p>
             <a:fld id="{A2828013-9556-401A-ADD7-1F11A1DA08DC}" type="datetimeFigureOut">
               <a:rPr lang="zh-CN" altLang="en-US" smtClean="0"/>
-              <a:t>2021/12/16</a:t>
+              <a:t>2021/12/17</a:t>
             </a:fld>
             <a:endParaRPr lang="zh-CN" altLang="en-US"/>
           </a:p>
@@ -3959,7 +3959,7 @@
           <a:p>
             <a:fld id="{A2828013-9556-401A-ADD7-1F11A1DA08DC}" type="datetimeFigureOut">
               <a:rPr lang="zh-CN" altLang="en-US" smtClean="0"/>
-              <a:t>2021/12/16</a:t>
+              <a:t>2021/12/17</a:t>
             </a:fld>
             <a:endParaRPr lang="zh-CN" altLang="en-US"/>
           </a:p>
@@ -4072,7 +4072,7 @@
           <a:p>
             <a:fld id="{A2828013-9556-401A-ADD7-1F11A1DA08DC}" type="datetimeFigureOut">
               <a:rPr lang="zh-CN" altLang="en-US" smtClean="0"/>
-              <a:t>2021/12/16</a:t>
+              <a:t>2021/12/17</a:t>
             </a:fld>
             <a:endParaRPr lang="zh-CN" altLang="en-US"/>
           </a:p>
@@ -4383,7 +4383,7 @@
           <a:p>
             <a:fld id="{A2828013-9556-401A-ADD7-1F11A1DA08DC}" type="datetimeFigureOut">
               <a:rPr lang="zh-CN" altLang="en-US" smtClean="0"/>
-              <a:t>2021/12/16</a:t>
+              <a:t>2021/12/17</a:t>
             </a:fld>
             <a:endParaRPr lang="zh-CN" altLang="en-US"/>
           </a:p>
@@ -4671,7 +4671,7 @@
           <a:p>
             <a:fld id="{A2828013-9556-401A-ADD7-1F11A1DA08DC}" type="datetimeFigureOut">
               <a:rPr lang="zh-CN" altLang="en-US" smtClean="0"/>
-              <a:t>2021/12/16</a:t>
+              <a:t>2021/12/17</a:t>
             </a:fld>
             <a:endParaRPr lang="zh-CN" altLang="en-US"/>
           </a:p>
@@ -4915,7 +4915,7 @@
             <a:fld id="{A2828013-9556-401A-ADD7-1F11A1DA08DC}" type="datetimeFigureOut">
               <a:rPr lang="zh-CN" altLang="en-US" smtClean="0"/>
               <a:pPr/>
-              <a:t>2021/12/16</a:t>
+              <a:t>2021/12/17</a:t>
             </a:fld>
             <a:endParaRPr lang="zh-CN" altLang="en-US" dirty="0"/>
           </a:p>
@@ -12205,7 +12205,7 @@
         <p:spPr>
           <a:xfrm>
             <a:off x="1929289" y="1303394"/>
-            <a:ext cx="8333422" cy="400110"/>
+            <a:ext cx="8333422" cy="584775"/>
           </a:xfrm>
           <a:prstGeom prst="rect">
             <a:avLst/>
@@ -12256,7 +12256,59 @@
                 <a:latin typeface="微软雅黑" panose="020B0503020204020204" pitchFamily="34" charset="-122"/>
                 <a:ea typeface="微软雅黑" panose="020B0503020204020204" pitchFamily="34" charset="-122"/>
               </a:rPr>
-              <a:t>应用推广平台</a:t>
+              <a:t>应用入口</a:t>
+            </a:r>
+            <a:endParaRPr lang="en-US" altLang="zh-CN" sz="2000" b="1" dirty="0">
+              <a:solidFill>
+                <a:schemeClr val="tx1">
+                  <a:lumMod val="50000"/>
+                  <a:lumOff val="50000"/>
+                </a:schemeClr>
+              </a:solidFill>
+              <a:latin typeface="微软雅黑" panose="020B0503020204020204" pitchFamily="34" charset="-122"/>
+              <a:ea typeface="微软雅黑" panose="020B0503020204020204" pitchFamily="34" charset="-122"/>
+            </a:endParaRPr>
+          </a:p>
+          <a:p>
+            <a:pPr algn="ctr"/>
+            <a:r>
+              <a:rPr lang="zh-CN" altLang="en-US" sz="1200" b="1" dirty="0">
+                <a:solidFill>
+                  <a:schemeClr val="tx1">
+                    <a:lumMod val="50000"/>
+                    <a:lumOff val="50000"/>
+                  </a:schemeClr>
+                </a:solidFill>
+                <a:latin typeface="微软雅黑" panose="020B0503020204020204" pitchFamily="34" charset="-122"/>
+                <a:ea typeface="微软雅黑" panose="020B0503020204020204" pitchFamily="34" charset="-122"/>
+              </a:rPr>
+              <a:t>（</a:t>
+            </a:r>
+            <a:r>
+              <a:rPr lang="en-US" altLang="zh-CN" sz="1200" b="1" dirty="0">
+                <a:solidFill>
+                  <a:schemeClr val="tx1">
+                    <a:lumMod val="50000"/>
+                    <a:lumOff val="50000"/>
+                  </a:schemeClr>
+                </a:solidFill>
+                <a:latin typeface="微软雅黑" panose="020B0503020204020204" pitchFamily="34" charset="-122"/>
+                <a:ea typeface="微软雅黑" panose="020B0503020204020204" pitchFamily="34" charset="-122"/>
+              </a:rPr>
+              <a:t>web3</a:t>
+            </a:r>
+            <a:r>
+              <a:rPr lang="zh-CN" altLang="en-US" sz="1200" b="1" dirty="0">
+                <a:solidFill>
+                  <a:schemeClr val="tx1">
+                    <a:lumMod val="50000"/>
+                    <a:lumOff val="50000"/>
+                  </a:schemeClr>
+                </a:solidFill>
+                <a:latin typeface="微软雅黑" panose="020B0503020204020204" pitchFamily="34" charset="-122"/>
+                <a:ea typeface="微软雅黑" panose="020B0503020204020204" pitchFamily="34" charset="-122"/>
+              </a:rPr>
+              <a:t>前端去中心化托管方案实现）</a:t>
             </a:r>
           </a:p>
         </p:txBody>
@@ -12735,7 +12787,7 @@
         <p:spPr>
           <a:xfrm>
             <a:off x="3814579" y="2377314"/>
-            <a:ext cx="7007147" cy="3693319"/>
+            <a:ext cx="7007147" cy="3970318"/>
           </a:xfrm>
           <a:prstGeom prst="rect">
             <a:avLst/>
@@ -12765,14 +12817,25 @@
             </a:r>
             <a:r>
               <a:rPr lang="zh-CN" altLang="en-US" dirty="0"/>
+              <a:t>，支持自我防篡改验证</a:t>
+            </a:r>
+            <a:endParaRPr lang="en-US" altLang="zh-CN" sz="1800" dirty="0"/>
+          </a:p>
+          <a:p>
+            <a:r>
+              <a:rPr lang="en-US" altLang="zh-CN" dirty="0"/>
+              <a:t>3</a:t>
+            </a:r>
+            <a:r>
+              <a:rPr lang="zh-CN" altLang="en-US" dirty="0"/>
               <a:t>，一个完善应用市场：展现、下载、安装</a:t>
             </a:r>
             <a:endParaRPr lang="en-US" altLang="zh-CN" dirty="0"/>
           </a:p>
           <a:p>
             <a:r>
-              <a:rPr lang="en-US" altLang="zh-CN" sz="1800" dirty="0"/>
-              <a:t>3</a:t>
+              <a:rPr lang="en-US" altLang="zh-CN" dirty="0"/>
+              <a:t>4</a:t>
             </a:r>
             <a:r>
               <a:rPr lang="zh-CN" altLang="en-US" sz="1800" dirty="0"/>
@@ -12783,7 +12846,7 @@
           <a:p>
             <a:r>
               <a:rPr lang="en-US" altLang="zh-CN" dirty="0"/>
-              <a:t>4</a:t>
+              <a:t>5</a:t>
             </a:r>
             <a:r>
               <a:rPr lang="zh-CN" altLang="en-US" dirty="0"/>
@@ -12802,7 +12865,7 @@
           <a:p>
             <a:r>
               <a:rPr lang="en-US" altLang="zh-CN" dirty="0"/>
-              <a:t>5</a:t>
+              <a:t>6</a:t>
             </a:r>
             <a:r>
               <a:rPr lang="zh-CN" altLang="en-US" dirty="0"/>
@@ -12812,8 +12875,8 @@
           </a:p>
           <a:p>
             <a:r>
-              <a:rPr lang="en-US" altLang="zh-CN" sz="1800" dirty="0"/>
-              <a:t>6</a:t>
+              <a:rPr lang="en-US" altLang="zh-CN" dirty="0"/>
+              <a:t>7</a:t>
             </a:r>
             <a:r>
               <a:rPr lang="zh-CN" altLang="en-US" sz="1800" dirty="0"/>
@@ -13718,7 +13781,7 @@
         </p:nvSpPr>
         <p:spPr>
           <a:xfrm>
-            <a:off x="347810" y="1669648"/>
+            <a:off x="622930" y="1827475"/>
             <a:ext cx="4668253" cy="3693319"/>
           </a:xfrm>
           <a:prstGeom prst="rect">
